--- a/01_FoundationProjects/RCC09_Robot_Car_Control_Using_Voice/RCC09_Robot_Car_Control_Using_Voice.pptx
+++ b/01_FoundationProjects/RCC09_Robot_Car_Control_Using_Voice/RCC09_Robot_Car_Control_Using_Voice.pptx
@@ -206,7 +206,7 @@
           <a:p>
             <a:fld id="{2A311A46-23A7-4CAD-863D-6397CDAD4FD2}" type="datetimeFigureOut">
               <a:rPr lang="en-GB" smtClean="0"/>
-              <a:t>11/01/2026</a:t>
+              <a:t>17/01/2026</a:t>
             </a:fld>
             <a:endParaRPr lang="en-GB"/>
           </a:p>
@@ -4651,10 +4651,10 @@
       </p:sp>
       <p:sp>
         <p:nvSpPr>
-          <p:cNvPr id="10" name="TextBox 13">
-            <a:extLst>
-              <a:ext uri="{FF2B5EF4-FFF2-40B4-BE49-F238E27FC236}">
-                <a16:creationId xmlns:a16="http://schemas.microsoft.com/office/drawing/2014/main" id="{2B5C408D-51FA-D248-E936-CA9DBC870C2C}"/>
+          <p:cNvPr id="3" name="TextBox 13">
+            <a:extLst>
+              <a:ext uri="{FF2B5EF4-FFF2-40B4-BE49-F238E27FC236}">
+                <a16:creationId xmlns:a16="http://schemas.microsoft.com/office/drawing/2014/main" id="{CDBEEAA9-C29E-6E34-A472-6C50DEA8D466}"/>
               </a:ext>
             </a:extLst>
           </p:cNvPr>
@@ -4663,8 +4663,8 @@
         </p:nvSpPr>
         <p:spPr bwMode="auto">
           <a:xfrm>
-            <a:off x="5093109" y="5801589"/>
-            <a:ext cx="5771535" cy="584775"/>
+            <a:off x="138828" y="4757612"/>
+            <a:ext cx="5771535" cy="338554"/>
           </a:xfrm>
           <a:prstGeom prst="rect">
             <a:avLst/>
@@ -4775,38 +4775,46 @@
               <a:defRPr/>
             </a:pPr>
             <a:r>
+              <a:rPr lang="en-US" sz="1600" b="1" dirty="0">
+                <a:solidFill>
+                  <a:srgbClr val="FFFF00"/>
+                </a:solidFill>
+              </a:rPr>
+              <a:t>Code for RCC09_Robot_Car_Control_Using_Voice_Rx</a:t>
+            </a:r>
+            <a:r>
               <a:rPr lang="en-GB" sz="1600" b="1" dirty="0">
                 <a:solidFill>
-                  <a:srgbClr val="00B0F0"/>
+                  <a:srgbClr val="FFFF00"/>
                 </a:solidFill>
               </a:rPr>
-              <a:t>Code for Lesson RCC08 (</a:t>
-            </a:r>
-            <a:r>
-              <a:rPr lang="en-US" sz="1600" b="1" dirty="0">
-                <a:solidFill>
-                  <a:srgbClr val="00B0F0"/>
+              <a:t>.</a:t>
+            </a:r>
+            <a:r>
+              <a:rPr lang="en-GB" sz="1600" b="1" dirty="0" err="1">
+                <a:solidFill>
+                  <a:srgbClr val="FFFF00"/>
                 </a:solidFill>
               </a:rPr>
-              <a:t>RCC09_Robot_Car_Control_Using_Voice_Rx</a:t>
+              <a:t>ino</a:t>
             </a:r>
             <a:r>
               <a:rPr lang="en-GB" sz="1600" b="1" dirty="0">
                 <a:solidFill>
-                  <a:srgbClr val="00B0F0"/>
+                  <a:srgbClr val="FFFF00"/>
                 </a:solidFill>
               </a:rPr>
-              <a:t>.ino):</a:t>
-            </a:r>
-          </a:p>
-        </p:txBody>
-      </p:sp>
-      <p:sp>
-        <p:nvSpPr>
-          <p:cNvPr id="12" name="TextBox 11">
-            <a:extLst>
-              <a:ext uri="{FF2B5EF4-FFF2-40B4-BE49-F238E27FC236}">
-                <a16:creationId xmlns:a16="http://schemas.microsoft.com/office/drawing/2014/main" id="{67DFF2F7-B3C0-823E-37DA-772B7F92B1B7}"/>
+              <a:t>):</a:t>
+            </a:r>
+          </a:p>
+        </p:txBody>
+      </p:sp>
+      <p:sp>
+        <p:nvSpPr>
+          <p:cNvPr id="8" name="TextBox 7">
+            <a:extLst>
+              <a:ext uri="{FF2B5EF4-FFF2-40B4-BE49-F238E27FC236}">
+                <a16:creationId xmlns:a16="http://schemas.microsoft.com/office/drawing/2014/main" id="{2FDB4941-925C-87C2-34C0-297CAC8576B8}"/>
               </a:ext>
             </a:extLst>
           </p:cNvPr>
@@ -4815,8 +4823,8 @@
         </p:nvSpPr>
         <p:spPr>
           <a:xfrm>
-            <a:off x="5182774" y="6386364"/>
-            <a:ext cx="4885191" cy="307777"/>
+            <a:off x="307628" y="5096166"/>
+            <a:ext cx="4885191" cy="1169551"/>
           </a:xfrm>
           <a:prstGeom prst="rect">
             <a:avLst/>
@@ -4928,7 +4936,14 @@
             </a:lvl9pPr>
           </a:lstStyle>
           <a:p>
-            <a:endParaRPr lang="en-GB" dirty="0"/>
+            <a:r>
+              <a:rPr lang="en-GB" dirty="0">
+                <a:solidFill>
+                  <a:srgbClr val="00B0F0"/>
+                </a:solidFill>
+              </a:rPr>
+              <a:t>https://github.com/info-zas/zas-robotics-car-2-communications/blob/main/01_FoundationProjects/RCC09_Robot_Car_Control_Using_Voice/RCC09_Roboti_Car_Control_Using_Voice_Rx/RCC09_Roboti_Car_Control_Using_Voice_Rx.ino</a:t>
+            </a:r>
           </a:p>
         </p:txBody>
       </p:sp>
@@ -9182,7 +9197,7 @@
         </p:nvSpPr>
         <p:spPr bwMode="auto">
           <a:xfrm>
-            <a:off x="6420465" y="5339202"/>
+            <a:off x="6510130" y="5041813"/>
             <a:ext cx="5771535" cy="338554"/>
           </a:xfrm>
           <a:prstGeom prst="rect">
@@ -9342,8 +9357,8 @@
         </p:nvSpPr>
         <p:spPr>
           <a:xfrm>
-            <a:off x="6510130" y="5923977"/>
-            <a:ext cx="4885191" cy="307777"/>
+            <a:off x="6678930" y="5380367"/>
+            <a:ext cx="4885191" cy="1169551"/>
           </a:xfrm>
           <a:prstGeom prst="rect">
             <a:avLst/>
@@ -9455,7 +9470,14 @@
             </a:lvl9pPr>
           </a:lstStyle>
           <a:p>
-            <a:endParaRPr lang="en-GB" dirty="0"/>
+            <a:r>
+              <a:rPr lang="en-GB" dirty="0">
+                <a:solidFill>
+                  <a:srgbClr val="00B0F0"/>
+                </a:solidFill>
+              </a:rPr>
+              <a:t>https://github.com/info-zas/zas-robotics-car-2-communications/blob/main/01_FoundationProjects/RCC09_Robot_Car_Control_Using_Voice/RCC09_Roboti_Car_Control_Using_Voice_Rx/RCC09_Roboti_Car_Control_Using_Voice_Rx.ino</a:t>
+            </a:r>
           </a:p>
         </p:txBody>
       </p:sp>
@@ -9478,12 +9500,12 @@
         <p:spPr>
           <a:xfrm>
             <a:off x="718878" y="3205395"/>
-            <a:ext cx="5701587" cy="4351338"/>
+            <a:ext cx="5701587" cy="3516080"/>
           </a:xfrm>
         </p:spPr>
         <p:txBody>
           <a:bodyPr>
-            <a:normAutofit fontScale="70000" lnSpcReduction="20000"/>
+            <a:normAutofit/>
           </a:bodyPr>
           <a:lstStyle/>
           <a:p>
@@ -9491,7 +9513,7 @@
               <a:buNone/>
             </a:pPr>
             <a:r>
-              <a:rPr lang="en-GB" b="1" dirty="0">
+              <a:rPr lang="en-GB" sz="2000" b="1" dirty="0">
                 <a:solidFill>
                   <a:srgbClr val="00B0F0"/>
                 </a:solidFill>
@@ -9503,7 +9525,7 @@
             <a:pPr marL="0" indent="0">
               <a:buNone/>
             </a:pPr>
-            <a:endParaRPr lang="en-GB" b="1" dirty="0">
+            <a:endParaRPr lang="en-GB" sz="2000" b="1" dirty="0">
               <a:solidFill>
                 <a:srgbClr val="00B0F0"/>
               </a:solidFill>
@@ -9514,7 +9536,7 @@
               <a:buNone/>
             </a:pPr>
             <a:r>
-              <a:rPr lang="en-GB" b="1" dirty="0">
+              <a:rPr lang="en-GB" sz="2000" b="1" dirty="0">
                 <a:solidFill>
                   <a:srgbClr val="00B0F0"/>
                 </a:solidFill>
@@ -9527,7 +9549,7 @@
               <a:buNone/>
             </a:pPr>
             <a:r>
-              <a:rPr lang="en-GB" b="1" dirty="0">
+              <a:rPr lang="en-GB" sz="2000" b="1" dirty="0">
                 <a:solidFill>
                   <a:srgbClr val="00B0F0"/>
                 </a:solidFill>
@@ -9535,7 +9557,7 @@
               <a:t>Upload the code </a:t>
             </a:r>
             <a:r>
-              <a:rPr lang="en-US" b="1" dirty="0">
+              <a:rPr lang="en-US" sz="2000" b="1" dirty="0">
                 <a:solidFill>
                   <a:srgbClr val="00B0F0"/>
                 </a:solidFill>
@@ -9543,7 +9565,7 @@
               <a:t>RCC09_Robot_Car_Control_Using_Voice_Rx</a:t>
             </a:r>
             <a:r>
-              <a:rPr lang="en-GB" b="1" dirty="0">
+              <a:rPr lang="en-GB" sz="2000" b="1" dirty="0">
                 <a:solidFill>
                   <a:srgbClr val="00B0F0"/>
                 </a:solidFill>
@@ -9551,14 +9573,14 @@
               <a:t>.</a:t>
             </a:r>
             <a:r>
-              <a:rPr lang="en-GB" b="1" dirty="0" err="1">
+              <a:rPr lang="en-GB" sz="2000" b="1" dirty="0" err="1">
                 <a:solidFill>
                   <a:srgbClr val="00B0F0"/>
                 </a:solidFill>
               </a:rPr>
               <a:t>ino</a:t>
             </a:r>
-            <a:endParaRPr lang="en-GB" dirty="0">
+            <a:endParaRPr lang="en-GB" sz="2000" dirty="0">
               <a:solidFill>
                 <a:srgbClr val="00B0F0"/>
               </a:solidFill>
@@ -9568,7 +9590,7 @@
             <a:pPr marL="0" indent="0">
               <a:buNone/>
             </a:pPr>
-            <a:endParaRPr lang="en-GB" b="1" dirty="0">
+            <a:endParaRPr lang="en-GB" sz="2000" b="1" dirty="0">
               <a:solidFill>
                 <a:srgbClr val="00B0F0"/>
               </a:solidFill>
@@ -9579,45 +9601,12 @@
               <a:buNone/>
             </a:pPr>
             <a:r>
-              <a:rPr lang="en-GB" b="1" dirty="0">
+              <a:rPr lang="en-GB" sz="2000" b="1" dirty="0">
                 <a:solidFill>
                   <a:srgbClr val="00B0F0"/>
                 </a:solidFill>
               </a:rPr>
               <a:t>Re-insert the HC05 Bluetooth Module in the car.</a:t>
-            </a:r>
-          </a:p>
-          <a:p>
-            <a:pPr marL="0" indent="0">
-              <a:buNone/>
-            </a:pPr>
-            <a:endParaRPr lang="en-GB" b="1" dirty="0">
-              <a:solidFill>
-                <a:srgbClr val="00B0F0"/>
-              </a:solidFill>
-            </a:endParaRPr>
-          </a:p>
-          <a:p>
-            <a:pPr marL="0" indent="0">
-              <a:buNone/>
-            </a:pPr>
-            <a:endParaRPr lang="en-GB" b="1" dirty="0">
-              <a:solidFill>
-                <a:srgbClr val="00B0F0"/>
-              </a:solidFill>
-            </a:endParaRPr>
-          </a:p>
-          <a:p>
-            <a:pPr marL="0" indent="0">
-              <a:buNone/>
-            </a:pPr>
-            <a:r>
-              <a:rPr lang="en-GB" b="1" dirty="0">
-                <a:solidFill>
-                  <a:srgbClr val="00B0F0"/>
-                </a:solidFill>
-              </a:rPr>
-              <a:t> </a:t>
             </a:r>
           </a:p>
         </p:txBody>
